--- a/presentation/UC-Lab_Template_2018_MoCo.pptx
+++ b/presentation/UC-Lab_Template_2018_MoCo.pptx
@@ -160,6 +160,9 @@
           </p15:clr>
         </p15:guide>
       </p15:sldGuideLst>
+    </p:ext>
+    <p:ext uri="{2D200454-40CA-4A62-9FC3-DE9A4176ACB9}">
+      <p15:notesGuideLst xmlns:p15="http://schemas.microsoft.com/office/powerpoint/2012/main"/>
     </p:ext>
   </p:extLst>
 </p:presentation>
@@ -7280,7 +7283,7 @@
           <a:lstStyle/>
           <a:p>
             <a:r>
-              <a:rPr lang="de-DE" b="1" dirty="0">
+              <a:rPr lang="de-DE" b="1">
                 <a:solidFill>
                   <a:schemeClr val="bg1"/>
                 </a:solidFill>
@@ -7288,8 +7291,16 @@
                 <a:ea typeface="Verdana" panose="020B0604030504040204" pitchFamily="34" charset="0"/>
                 <a:cs typeface="Tahoma" panose="020B0604030504040204" pitchFamily="34" charset="0"/>
               </a:rPr>
-              <a:t>Kinematics</a:t>
-            </a:r>
+              <a:t>Kinematic</a:t>
+            </a:r>
+            <a:endParaRPr lang="de-DE" b="1" dirty="0">
+              <a:solidFill>
+                <a:schemeClr val="bg1"/>
+              </a:solidFill>
+              <a:latin typeface="Verdana" panose="020B0604030504040204" pitchFamily="34" charset="0"/>
+              <a:ea typeface="Verdana" panose="020B0604030504040204" pitchFamily="34" charset="0"/>
+              <a:cs typeface="Tahoma" panose="020B0604030504040204" pitchFamily="34" charset="0"/>
+            </a:endParaRPr>
           </a:p>
         </p:txBody>
       </p:sp>
